--- a/Funções.pptx
+++ b/Funções.pptx
@@ -134,6 +134,11 @@
       </a:defRPr>
     </a:lvl9pPr>
   </p:defaultTextStyle>
+  <p:extLst>
+    <p:ext uri="{EFAFB233-063F-42B5-8137-9DF3F51BA10A}">
+      <p15:sldGuideLst xmlns:p15="http://schemas.microsoft.com/office/powerpoint/2012/main"/>
+    </p:ext>
+  </p:extLst>
 </p:presentation>
 </file>
 
@@ -219,7 +224,7 @@
           <a:p>
             <a:fld id="{114EDD3D-A579-4330-8688-BDB4D91D91A7}" type="datetimeFigureOut">
               <a:rPr lang="pt-BR" smtClean="0"/>
-              <a:t>02/10/2024</a:t>
+              <a:t>03/10/2024</a:t>
             </a:fld>
             <a:endParaRPr lang="pt-BR"/>
           </a:p>
@@ -841,7 +846,7 @@
           <a:p>
             <a:fld id="{11BDF7AA-72E2-48CF-89FD-4AE5E44973DE}" type="datetimeFigureOut">
               <a:rPr lang="pt-BR" smtClean="0"/>
-              <a:t>02/10/2024</a:t>
+              <a:t>03/10/2024</a:t>
             </a:fld>
             <a:endParaRPr lang="pt-BR"/>
           </a:p>
@@ -1039,7 +1044,7 @@
           <a:p>
             <a:fld id="{11BDF7AA-72E2-48CF-89FD-4AE5E44973DE}" type="datetimeFigureOut">
               <a:rPr lang="pt-BR" smtClean="0"/>
-              <a:t>02/10/2024</a:t>
+              <a:t>03/10/2024</a:t>
             </a:fld>
             <a:endParaRPr lang="pt-BR"/>
           </a:p>
@@ -1247,7 +1252,7 @@
           <a:p>
             <a:fld id="{11BDF7AA-72E2-48CF-89FD-4AE5E44973DE}" type="datetimeFigureOut">
               <a:rPr lang="pt-BR" smtClean="0"/>
-              <a:t>02/10/2024</a:t>
+              <a:t>03/10/2024</a:t>
             </a:fld>
             <a:endParaRPr lang="pt-BR"/>
           </a:p>
@@ -1445,7 +1450,7 @@
           <a:p>
             <a:fld id="{D57E97A5-1BFE-4483-9753-0EA9C03F866B}" type="datetimeFigureOut">
               <a:rPr lang="pt-BR" smtClean="0"/>
-              <a:t>02/10/2024</a:t>
+              <a:t>03/10/2024</a:t>
             </a:fld>
             <a:endParaRPr lang="pt-BR"/>
           </a:p>
@@ -1643,7 +1648,7 @@
           <a:p>
             <a:fld id="{11BDF7AA-72E2-48CF-89FD-4AE5E44973DE}" type="datetimeFigureOut">
               <a:rPr lang="pt-BR" smtClean="0"/>
-              <a:t>02/10/2024</a:t>
+              <a:t>03/10/2024</a:t>
             </a:fld>
             <a:endParaRPr lang="pt-BR"/>
           </a:p>
@@ -1918,7 +1923,7 @@
           <a:p>
             <a:fld id="{11BDF7AA-72E2-48CF-89FD-4AE5E44973DE}" type="datetimeFigureOut">
               <a:rPr lang="pt-BR" smtClean="0"/>
-              <a:t>02/10/2024</a:t>
+              <a:t>03/10/2024</a:t>
             </a:fld>
             <a:endParaRPr lang="pt-BR"/>
           </a:p>
@@ -2183,7 +2188,7 @@
           <a:p>
             <a:fld id="{11BDF7AA-72E2-48CF-89FD-4AE5E44973DE}" type="datetimeFigureOut">
               <a:rPr lang="pt-BR" smtClean="0"/>
-              <a:t>02/10/2024</a:t>
+              <a:t>03/10/2024</a:t>
             </a:fld>
             <a:endParaRPr lang="pt-BR"/>
           </a:p>
@@ -2595,7 +2600,7 @@
           <a:p>
             <a:fld id="{11BDF7AA-72E2-48CF-89FD-4AE5E44973DE}" type="datetimeFigureOut">
               <a:rPr lang="pt-BR" smtClean="0"/>
-              <a:t>02/10/2024</a:t>
+              <a:t>03/10/2024</a:t>
             </a:fld>
             <a:endParaRPr lang="pt-BR"/>
           </a:p>
@@ -2736,7 +2741,7 @@
           <a:p>
             <a:fld id="{11BDF7AA-72E2-48CF-89FD-4AE5E44973DE}" type="datetimeFigureOut">
               <a:rPr lang="pt-BR" smtClean="0"/>
-              <a:t>02/10/2024</a:t>
+              <a:t>03/10/2024</a:t>
             </a:fld>
             <a:endParaRPr lang="pt-BR"/>
           </a:p>
@@ -2849,7 +2854,7 @@
           <a:p>
             <a:fld id="{11BDF7AA-72E2-48CF-89FD-4AE5E44973DE}" type="datetimeFigureOut">
               <a:rPr lang="pt-BR" smtClean="0"/>
-              <a:t>02/10/2024</a:t>
+              <a:t>03/10/2024</a:t>
             </a:fld>
             <a:endParaRPr lang="pt-BR"/>
           </a:p>
@@ -3160,7 +3165,7 @@
           <a:p>
             <a:fld id="{11BDF7AA-72E2-48CF-89FD-4AE5E44973DE}" type="datetimeFigureOut">
               <a:rPr lang="pt-BR" smtClean="0"/>
-              <a:t>02/10/2024</a:t>
+              <a:t>03/10/2024</a:t>
             </a:fld>
             <a:endParaRPr lang="pt-BR"/>
           </a:p>
@@ -3448,7 +3453,7 @@
           <a:p>
             <a:fld id="{11BDF7AA-72E2-48CF-89FD-4AE5E44973DE}" type="datetimeFigureOut">
               <a:rPr lang="pt-BR" smtClean="0"/>
-              <a:t>02/10/2024</a:t>
+              <a:t>03/10/2024</a:t>
             </a:fld>
             <a:endParaRPr lang="pt-BR"/>
           </a:p>
@@ -3719,7 +3724,7 @@
           <a:p>
             <a:fld id="{11BDF7AA-72E2-48CF-89FD-4AE5E44973DE}" type="datetimeFigureOut">
               <a:rPr lang="pt-BR" smtClean="0"/>
-              <a:t>02/10/2024</a:t>
+              <a:t>03/10/2024</a:t>
             </a:fld>
             <a:endParaRPr lang="pt-BR"/>
           </a:p>
@@ -5323,7 +5328,7 @@
         </p:blipFill>
         <p:spPr>
           <a:xfrm>
-            <a:off x="2576021" y="204337"/>
+            <a:off x="2576021" y="-83046"/>
             <a:ext cx="7039957" cy="6449325"/>
           </a:xfrm>
           <a:prstGeom prst="rect">

--- a/Funções.pptx
+++ b/Funções.pptx
@@ -224,7 +224,7 @@
           <a:p>
             <a:fld id="{114EDD3D-A579-4330-8688-BDB4D91D91A7}" type="datetimeFigureOut">
               <a:rPr lang="pt-BR" smtClean="0"/>
-              <a:t>03/10/2024</a:t>
+              <a:t>04/10/2024</a:t>
             </a:fld>
             <a:endParaRPr lang="pt-BR"/>
           </a:p>
@@ -846,7 +846,7 @@
           <a:p>
             <a:fld id="{11BDF7AA-72E2-48CF-89FD-4AE5E44973DE}" type="datetimeFigureOut">
               <a:rPr lang="pt-BR" smtClean="0"/>
-              <a:t>03/10/2024</a:t>
+              <a:t>04/10/2024</a:t>
             </a:fld>
             <a:endParaRPr lang="pt-BR"/>
           </a:p>
@@ -1044,7 +1044,7 @@
           <a:p>
             <a:fld id="{11BDF7AA-72E2-48CF-89FD-4AE5E44973DE}" type="datetimeFigureOut">
               <a:rPr lang="pt-BR" smtClean="0"/>
-              <a:t>03/10/2024</a:t>
+              <a:t>04/10/2024</a:t>
             </a:fld>
             <a:endParaRPr lang="pt-BR"/>
           </a:p>
@@ -1252,7 +1252,7 @@
           <a:p>
             <a:fld id="{11BDF7AA-72E2-48CF-89FD-4AE5E44973DE}" type="datetimeFigureOut">
               <a:rPr lang="pt-BR" smtClean="0"/>
-              <a:t>03/10/2024</a:t>
+              <a:t>04/10/2024</a:t>
             </a:fld>
             <a:endParaRPr lang="pt-BR"/>
           </a:p>
@@ -1450,7 +1450,7 @@
           <a:p>
             <a:fld id="{D57E97A5-1BFE-4483-9753-0EA9C03F866B}" type="datetimeFigureOut">
               <a:rPr lang="pt-BR" smtClean="0"/>
-              <a:t>03/10/2024</a:t>
+              <a:t>04/10/2024</a:t>
             </a:fld>
             <a:endParaRPr lang="pt-BR"/>
           </a:p>
@@ -1648,7 +1648,7 @@
           <a:p>
             <a:fld id="{11BDF7AA-72E2-48CF-89FD-4AE5E44973DE}" type="datetimeFigureOut">
               <a:rPr lang="pt-BR" smtClean="0"/>
-              <a:t>03/10/2024</a:t>
+              <a:t>04/10/2024</a:t>
             </a:fld>
             <a:endParaRPr lang="pt-BR"/>
           </a:p>
@@ -1923,7 +1923,7 @@
           <a:p>
             <a:fld id="{11BDF7AA-72E2-48CF-89FD-4AE5E44973DE}" type="datetimeFigureOut">
               <a:rPr lang="pt-BR" smtClean="0"/>
-              <a:t>03/10/2024</a:t>
+              <a:t>04/10/2024</a:t>
             </a:fld>
             <a:endParaRPr lang="pt-BR"/>
           </a:p>
@@ -2188,7 +2188,7 @@
           <a:p>
             <a:fld id="{11BDF7AA-72E2-48CF-89FD-4AE5E44973DE}" type="datetimeFigureOut">
               <a:rPr lang="pt-BR" smtClean="0"/>
-              <a:t>03/10/2024</a:t>
+              <a:t>04/10/2024</a:t>
             </a:fld>
             <a:endParaRPr lang="pt-BR"/>
           </a:p>
@@ -2600,7 +2600,7 @@
           <a:p>
             <a:fld id="{11BDF7AA-72E2-48CF-89FD-4AE5E44973DE}" type="datetimeFigureOut">
               <a:rPr lang="pt-BR" smtClean="0"/>
-              <a:t>03/10/2024</a:t>
+              <a:t>04/10/2024</a:t>
             </a:fld>
             <a:endParaRPr lang="pt-BR"/>
           </a:p>
@@ -2741,7 +2741,7 @@
           <a:p>
             <a:fld id="{11BDF7AA-72E2-48CF-89FD-4AE5E44973DE}" type="datetimeFigureOut">
               <a:rPr lang="pt-BR" smtClean="0"/>
-              <a:t>03/10/2024</a:t>
+              <a:t>04/10/2024</a:t>
             </a:fld>
             <a:endParaRPr lang="pt-BR"/>
           </a:p>
@@ -2854,7 +2854,7 @@
           <a:p>
             <a:fld id="{11BDF7AA-72E2-48CF-89FD-4AE5E44973DE}" type="datetimeFigureOut">
               <a:rPr lang="pt-BR" smtClean="0"/>
-              <a:t>03/10/2024</a:t>
+              <a:t>04/10/2024</a:t>
             </a:fld>
             <a:endParaRPr lang="pt-BR"/>
           </a:p>
@@ -3165,7 +3165,7 @@
           <a:p>
             <a:fld id="{11BDF7AA-72E2-48CF-89FD-4AE5E44973DE}" type="datetimeFigureOut">
               <a:rPr lang="pt-BR" smtClean="0"/>
-              <a:t>03/10/2024</a:t>
+              <a:t>04/10/2024</a:t>
             </a:fld>
             <a:endParaRPr lang="pt-BR"/>
           </a:p>
@@ -3453,7 +3453,7 @@
           <a:p>
             <a:fld id="{11BDF7AA-72E2-48CF-89FD-4AE5E44973DE}" type="datetimeFigureOut">
               <a:rPr lang="pt-BR" smtClean="0"/>
-              <a:t>03/10/2024</a:t>
+              <a:t>04/10/2024</a:t>
             </a:fld>
             <a:endParaRPr lang="pt-BR"/>
           </a:p>
@@ -3724,7 +3724,7 @@
           <a:p>
             <a:fld id="{11BDF7AA-72E2-48CF-89FD-4AE5E44973DE}" type="datetimeFigureOut">
               <a:rPr lang="pt-BR" smtClean="0"/>
-              <a:t>03/10/2024</a:t>
+              <a:t>04/10/2024</a:t>
             </a:fld>
             <a:endParaRPr lang="pt-BR"/>
           </a:p>
@@ -6784,10 +6784,7 @@
               <a:buNone/>
             </a:pPr>
             <a:r>
-              <a:rPr lang="pt-BR" sz="1800">
-                <a:solidFill>
-                  <a:srgbClr val="5B9BD5"/>
-                </a:solidFill>
+              <a:rPr lang="pt-BR" sz="1800" dirty="0">
                 <a:latin typeface="Arial"/>
                 <a:ea typeface="Arial"/>
                 <a:cs typeface="Arial"/>
@@ -6795,7 +6792,7 @@
               </a:rPr>
               <a:t>Crie um programa que permita ao usuário realizar as seguintes operações bancárias:</a:t>
             </a:r>
-            <a:endParaRPr sz="1200"/>
+            <a:endParaRPr sz="1200" dirty="0"/>
           </a:p>
           <a:p>
             <a:pPr marL="0" marR="0" lvl="0" indent="0" algn="l" rtl="0">
@@ -6807,10 +6804,7 @@
               </a:spcAft>
               <a:buNone/>
             </a:pPr>
-            <a:endParaRPr sz="1800">
-              <a:solidFill>
-                <a:srgbClr val="5B9BD5"/>
-              </a:solidFill>
+            <a:endParaRPr sz="1800" dirty="0">
               <a:latin typeface="Arial"/>
               <a:ea typeface="Arial"/>
               <a:cs typeface="Arial"/>
@@ -6833,10 +6827,7 @@
               <a:buChar char="•"/>
             </a:pPr>
             <a:r>
-              <a:rPr lang="pt-BR" sz="1800" b="0" i="0" u="none" strike="noStrike" cap="none">
-                <a:solidFill>
-                  <a:srgbClr val="70AD47"/>
-                </a:solidFill>
+              <a:rPr lang="pt-BR" sz="1800" b="0" i="0" u="none" strike="noStrike" cap="none" dirty="0">
                 <a:latin typeface="Arial"/>
                 <a:ea typeface="Arial"/>
                 <a:cs typeface="Arial"/>
@@ -6844,7 +6835,7 @@
               </a:rPr>
               <a:t>Criar conta</a:t>
             </a:r>
-            <a:endParaRPr sz="1200"/>
+            <a:endParaRPr sz="1200" dirty="0"/>
           </a:p>
           <a:p>
             <a:pPr marL="457200" marR="0" lvl="1" indent="-114300" algn="l" rtl="0">
@@ -6862,10 +6853,7 @@
               <a:buChar char="•"/>
             </a:pPr>
             <a:r>
-              <a:rPr lang="pt-BR" sz="1800" b="0" i="0" u="none" strike="noStrike" cap="none">
-                <a:solidFill>
-                  <a:srgbClr val="70AD47"/>
-                </a:solidFill>
+              <a:rPr lang="pt-BR" sz="1800" b="0" i="0" u="none" strike="noStrike" cap="none" dirty="0">
                 <a:latin typeface="Arial"/>
                 <a:ea typeface="Arial"/>
                 <a:cs typeface="Arial"/>
@@ -6873,7 +6861,7 @@
               </a:rPr>
               <a:t>Verificar saldo</a:t>
             </a:r>
-            <a:endParaRPr sz="1200"/>
+            <a:endParaRPr sz="1200" dirty="0"/>
           </a:p>
           <a:p>
             <a:pPr marL="457200" marR="0" lvl="1" indent="-114300" algn="l" rtl="0">
@@ -6891,10 +6879,7 @@
               <a:buChar char="•"/>
             </a:pPr>
             <a:r>
-              <a:rPr lang="pt-BR" sz="1800" b="0" i="0" u="none" strike="noStrike" cap="none">
-                <a:solidFill>
-                  <a:srgbClr val="70AD47"/>
-                </a:solidFill>
+              <a:rPr lang="pt-BR" sz="1800" b="0" i="0" u="none" strike="noStrike" cap="none" dirty="0">
                 <a:latin typeface="Arial"/>
                 <a:ea typeface="Arial"/>
                 <a:cs typeface="Arial"/>
@@ -6902,7 +6887,7 @@
               </a:rPr>
               <a:t>Depositar dinheiro</a:t>
             </a:r>
-            <a:endParaRPr sz="1200"/>
+            <a:endParaRPr sz="1200" dirty="0"/>
           </a:p>
           <a:p>
             <a:pPr marL="457200" marR="0" lvl="1" indent="-114300" algn="l" rtl="0">
@@ -6920,10 +6905,7 @@
               <a:buChar char="•"/>
             </a:pPr>
             <a:r>
-              <a:rPr lang="pt-BR" sz="1800" b="0" i="0" u="none" strike="noStrike" cap="none">
-                <a:solidFill>
-                  <a:srgbClr val="70AD47"/>
-                </a:solidFill>
+              <a:rPr lang="pt-BR" sz="1800" b="0" i="0" u="none" strike="noStrike" cap="none" dirty="0">
                 <a:latin typeface="Arial"/>
                 <a:ea typeface="Arial"/>
                 <a:cs typeface="Arial"/>
@@ -6931,7 +6913,7 @@
               </a:rPr>
               <a:t>Sacar dinheiro</a:t>
             </a:r>
-            <a:endParaRPr sz="1200"/>
+            <a:endParaRPr sz="1200" dirty="0"/>
           </a:p>
           <a:p>
             <a:pPr marL="457200" marR="0" lvl="1" indent="-114300" algn="l" rtl="0">
@@ -6949,10 +6931,7 @@
               <a:buChar char="•"/>
             </a:pPr>
             <a:r>
-              <a:rPr lang="pt-BR" sz="1800" b="0" i="0" u="none" strike="noStrike" cap="none">
-                <a:solidFill>
-                  <a:srgbClr val="70AD47"/>
-                </a:solidFill>
+              <a:rPr lang="pt-BR" sz="1800" b="0" i="0" u="none" strike="noStrike" cap="none" dirty="0">
                 <a:latin typeface="Arial"/>
                 <a:ea typeface="Arial"/>
                 <a:cs typeface="Arial"/>
@@ -6960,7 +6939,7 @@
               </a:rPr>
               <a:t>Encerrar o atendimento</a:t>
             </a:r>
-            <a:endParaRPr sz="1200"/>
+            <a:endParaRPr sz="1200" dirty="0"/>
           </a:p>
           <a:p>
             <a:pPr marL="457200" marR="0" lvl="1" indent="0" algn="l" rtl="0">
@@ -6977,7 +6956,7 @@
               <a:buFont typeface="Arial"/>
               <a:buNone/>
             </a:pPr>
-            <a:endParaRPr sz="1800" b="0" i="0" u="none" strike="noStrike" cap="none">
+            <a:endParaRPr sz="1800" b="0" i="0" u="none" strike="noStrike" cap="none" dirty="0">
               <a:solidFill>
                 <a:srgbClr val="70AD47"/>
               </a:solidFill>
@@ -7003,55 +6982,16 @@
               <a:buChar char="•"/>
             </a:pPr>
             <a:r>
-              <a:rPr lang="pt-BR" sz="1800">
-                <a:solidFill>
-                  <a:srgbClr val="5B9BD5"/>
-                </a:solidFill>
+              <a:rPr lang="pt-BR" sz="1800" dirty="0">
                 <a:latin typeface="Arial"/>
                 <a:ea typeface="Arial"/>
                 <a:cs typeface="Arial"/>
                 <a:sym typeface="Arial"/>
               </a:rPr>
-              <a:t>O programa </a:t>
-            </a:r>
-            <a:r>
-              <a:rPr lang="pt-BR" sz="1800">
-                <a:solidFill>
-                  <a:srgbClr val="70AD47"/>
-                </a:solidFill>
-                <a:latin typeface="Arial"/>
-                <a:ea typeface="Arial"/>
-                <a:cs typeface="Arial"/>
-                <a:sym typeface="Arial"/>
-              </a:rPr>
-              <a:t>deve armazenar </a:t>
-            </a:r>
-            <a:r>
-              <a:rPr lang="pt-BR" sz="1800">
-                <a:solidFill>
-                  <a:srgbClr val="5B9BD5"/>
-                </a:solidFill>
-                <a:latin typeface="Arial"/>
-                <a:ea typeface="Arial"/>
-                <a:cs typeface="Arial"/>
-                <a:sym typeface="Arial"/>
-              </a:rPr>
-              <a:t>as informações da conta bancária do usuário em um </a:t>
-            </a:r>
-            <a:r>
-              <a:rPr lang="pt-BR" sz="1800">
-                <a:solidFill>
-                  <a:srgbClr val="70AD47"/>
-                </a:solidFill>
-                <a:latin typeface="Arial"/>
-                <a:ea typeface="Arial"/>
-                <a:cs typeface="Arial"/>
-                <a:sym typeface="Arial"/>
-              </a:rPr>
-              <a:t>dicionário</a:t>
-            </a:r>
-            <a:r>
-              <a:rPr lang="pt-BR" sz="1800">
+              <a:t>O programa deve armazenar as informações da conta bancária do usuário em um dicionário</a:t>
+            </a:r>
+            <a:r>
+              <a:rPr lang="pt-BR" sz="1800" dirty="0">
                 <a:solidFill>
                   <a:srgbClr val="5B9BD5"/>
                 </a:solidFill>
@@ -7062,7 +7002,7 @@
               </a:rPr>
               <a:t>.</a:t>
             </a:r>
-            <a:endParaRPr sz="1200"/>
+            <a:endParaRPr sz="1200" dirty="0"/>
           </a:p>
           <a:p>
             <a:pPr marL="342900" marR="0" lvl="0" indent="-342900" algn="l" rtl="0">
@@ -7080,7 +7020,7 @@
               <a:buChar char="•"/>
             </a:pPr>
             <a:r>
-              <a:rPr lang="pt-BR" sz="1800">
+              <a:rPr lang="pt-BR" sz="1800" dirty="0">
                 <a:solidFill>
                   <a:srgbClr val="5B9BD5"/>
                 </a:solidFill>
@@ -7092,7 +7032,7 @@
               <a:t>O programa </a:t>
             </a:r>
             <a:r>
-              <a:rPr lang="pt-BR" sz="1800">
+              <a:rPr lang="pt-BR" sz="1800" dirty="0">
                 <a:solidFill>
                   <a:srgbClr val="70AD47"/>
                 </a:solidFill>
@@ -7104,7 +7044,7 @@
               <a:t>deve exibir um </a:t>
             </a:r>
             <a:r>
-              <a:rPr lang="pt-BR" sz="2200" b="1">
+              <a:rPr lang="pt-BR" sz="2200" b="1" dirty="0">
                 <a:solidFill>
                   <a:srgbClr val="FF0000"/>
                 </a:solidFill>
@@ -7116,7 +7056,7 @@
               <a:t>menu</a:t>
             </a:r>
             <a:r>
-              <a:rPr lang="pt-BR" sz="1800">
+              <a:rPr lang="pt-BR" sz="1800" dirty="0">
                 <a:solidFill>
                   <a:srgbClr val="70AD47"/>
                 </a:solidFill>
@@ -7128,7 +7068,7 @@
               <a:t> </a:t>
             </a:r>
             <a:r>
-              <a:rPr lang="pt-BR" sz="1800">
+              <a:rPr lang="pt-BR" sz="1800" dirty="0">
                 <a:solidFill>
                   <a:srgbClr val="5B9BD5"/>
                 </a:solidFill>
@@ -7139,7 +7079,7 @@
               </a:rPr>
               <a:t>para o usuário escolher a operação que deseja realizar e, em seguida, executar a operação escolhida.</a:t>
             </a:r>
-            <a:endParaRPr sz="1200"/>
+            <a:endParaRPr sz="1200" dirty="0"/>
           </a:p>
           <a:p>
             <a:pPr marL="342900" marR="0" lvl="0" indent="-330200" algn="l" rtl="0">
@@ -7157,42 +7097,15 @@
               <a:buChar char="•"/>
             </a:pPr>
             <a:r>
-              <a:rPr lang="pt-BR" sz="1800">
-                <a:solidFill>
-                  <a:srgbClr val="5B9BD5"/>
-                </a:solidFill>
+              <a:rPr lang="pt-BR" sz="1800" dirty="0">
                 <a:latin typeface="Arial"/>
                 <a:ea typeface="Arial"/>
                 <a:cs typeface="Arial"/>
                 <a:sym typeface="Arial"/>
               </a:rPr>
-              <a:t>Ao depositar dinheiro, o programa deve </a:t>
-            </a:r>
-            <a:r>
-              <a:rPr lang="pt-BR" sz="1800">
-                <a:solidFill>
-                  <a:srgbClr val="70AD47"/>
-                </a:solidFill>
-                <a:latin typeface="Arial"/>
-                <a:ea typeface="Arial"/>
-                <a:cs typeface="Arial"/>
-                <a:sym typeface="Arial"/>
-              </a:rPr>
-              <a:t>atualizar o saldo </a:t>
-            </a:r>
-            <a:r>
-              <a:rPr lang="pt-BR" sz="1800">
-                <a:solidFill>
-                  <a:srgbClr val="5B9BD5"/>
-                </a:solidFill>
-                <a:latin typeface="Arial"/>
-                <a:ea typeface="Arial"/>
-                <a:cs typeface="Arial"/>
-                <a:sym typeface="Arial"/>
-              </a:rPr>
-              <a:t>da conta bancária adicionando o valor depositado ao saldo atual.</a:t>
-            </a:r>
-            <a:endParaRPr sz="1200"/>
+              <a:t>Ao depositar dinheiro, o programa deve atualizar o saldo da conta bancária adicionando o valor depositado ao saldo atual.</a:t>
+            </a:r>
+            <a:endParaRPr sz="1200" dirty="0"/>
           </a:p>
           <a:p>
             <a:pPr marL="342900" marR="0" lvl="0" indent="-330200" algn="l" rtl="0">
@@ -7210,66 +7123,15 @@
               <a:buChar char="•"/>
             </a:pPr>
             <a:r>
-              <a:rPr lang="pt-BR" sz="1800">
-                <a:solidFill>
-                  <a:srgbClr val="5B9BD5"/>
-                </a:solidFill>
+              <a:rPr lang="pt-BR" sz="1800" dirty="0">
                 <a:latin typeface="Arial"/>
                 <a:ea typeface="Arial"/>
                 <a:cs typeface="Arial"/>
                 <a:sym typeface="Arial"/>
               </a:rPr>
-              <a:t>Ao sacar dinheiro, o programa </a:t>
-            </a:r>
-            <a:r>
-              <a:rPr lang="pt-BR" sz="1800">
-                <a:solidFill>
-                  <a:srgbClr val="70AD47"/>
-                </a:solidFill>
-                <a:latin typeface="Arial"/>
-                <a:ea typeface="Arial"/>
-                <a:cs typeface="Arial"/>
-                <a:sym typeface="Arial"/>
-              </a:rPr>
-              <a:t>deve verificar se o valor </a:t>
-            </a:r>
-            <a:r>
-              <a:rPr lang="pt-BR" sz="1800">
-                <a:solidFill>
-                  <a:srgbClr val="5B9BD5"/>
-                </a:solidFill>
-                <a:latin typeface="Arial"/>
-                <a:ea typeface="Arial"/>
-                <a:cs typeface="Arial"/>
-                <a:sym typeface="Arial"/>
-              </a:rPr>
-              <a:t>a ser sacado é menor ou igual ao saldo atual da conta bancária e, em caso afirmativo, </a:t>
-            </a:r>
-            <a:r>
-              <a:rPr lang="pt-BR" sz="1800">
-                <a:solidFill>
-                  <a:srgbClr val="70AD47"/>
-                </a:solidFill>
-                <a:latin typeface="Arial"/>
-                <a:ea typeface="Arial"/>
-                <a:cs typeface="Arial"/>
-                <a:sym typeface="Arial"/>
-              </a:rPr>
-              <a:t>atualizar o saldo </a:t>
-            </a:r>
-            <a:r>
-              <a:rPr lang="pt-BR" sz="1800">
-                <a:solidFill>
-                  <a:srgbClr val="5B9BD5"/>
-                </a:solidFill>
-                <a:latin typeface="Arial"/>
-                <a:ea typeface="Arial"/>
-                <a:cs typeface="Arial"/>
-                <a:sym typeface="Arial"/>
-              </a:rPr>
-              <a:t>da conta bancária subtraindo o valor sacado do saldo atual.</a:t>
-            </a:r>
-            <a:endParaRPr sz="1200"/>
+              <a:t>Ao sacar dinheiro, o programa deve verificar se o valor a ser sacado é menor ou igual ao saldo atual da conta bancária e, em caso afirmativo, atualizar o saldo da conta bancária subtraindo o valor sacado do saldo atual.</a:t>
+            </a:r>
+            <a:endParaRPr sz="1200" dirty="0"/>
           </a:p>
           <a:p>
             <a:pPr marL="342900" marR="0" lvl="0" indent="-330200" algn="l" rtl="0">
@@ -7287,45 +7149,15 @@
               <a:buChar char="•"/>
             </a:pPr>
             <a:r>
-              <a:rPr lang="pt-BR" sz="1800">
-                <a:solidFill>
-                  <a:srgbClr val="5B9BD5"/>
-                </a:solidFill>
+              <a:rPr lang="pt-BR" sz="1800" dirty="0">
                 <a:latin typeface="Arial"/>
                 <a:ea typeface="Arial"/>
                 <a:cs typeface="Arial"/>
                 <a:sym typeface="Arial"/>
               </a:rPr>
-              <a:t>Se o valor a ser sacado for maior que o saldo atual da conta bancária, o programa deve </a:t>
-            </a:r>
-            <a:r>
-              <a:rPr lang="pt-BR" sz="1800">
-                <a:solidFill>
-                  <a:srgbClr val="70AD47"/>
-                </a:solidFill>
-                <a:latin typeface="Arial"/>
-                <a:ea typeface="Arial"/>
-                <a:cs typeface="Arial"/>
-                <a:sym typeface="Arial"/>
-              </a:rPr>
-              <a:t>exibir uma mensagem informando que não há saldo suficiente</a:t>
-            </a:r>
-            <a:r>
-              <a:rPr lang="pt-BR" sz="1800">
-                <a:solidFill>
-                  <a:srgbClr val="5B9BD5"/>
-                </a:solidFill>
-                <a:latin typeface="Arial"/>
-                <a:ea typeface="Arial"/>
-                <a:cs typeface="Arial"/>
-                <a:sym typeface="Arial"/>
-              </a:rPr>
-              <a:t> na conta bancária para realizar a operação.</a:t>
-            </a:r>
-            <a:endParaRPr sz="1800" b="0" i="0">
-              <a:solidFill>
-                <a:srgbClr val="5B9BD5"/>
-              </a:solidFill>
+              <a:t>Se o valor a ser sacado for maior que o saldo atual da conta bancária, o programa deve exibir uma mensagem informando que não há saldo suficiente na conta bancária para realizar a operação.</a:t>
+            </a:r>
+            <a:endParaRPr sz="1800" b="0" i="0" dirty="0">
               <a:latin typeface="Arial"/>
               <a:ea typeface="Arial"/>
               <a:cs typeface="Arial"/>
